--- a/HW5_Sudhanshu_Kakkar.pptx
+++ b/HW5_Sudhanshu_Kakkar.pptx
@@ -199,7 +199,7 @@
           <a:p>
             <a:fld id="{2CF15C6B-76EC-4142-A940-DBD59C818865}" type="datetimeFigureOut">
               <a:rPr lang="en-IN" smtClean="0"/>
-              <a:t>07-10-2025</a:t>
+              <a:t>12-10-2025</a:t>
             </a:fld>
             <a:endParaRPr lang="en-IN"/>
           </a:p>
@@ -822,7 +822,7 @@
           <a:p>
             <a:fld id="{969C4986-7DEB-4068-B691-7A99EC7B716C}" type="datetimeFigureOut">
               <a:rPr lang="en-IN" smtClean="0"/>
-              <a:t>07-10-2025</a:t>
+              <a:t>12-10-2025</a:t>
             </a:fld>
             <a:endParaRPr lang="en-IN"/>
           </a:p>
@@ -1022,7 +1022,7 @@
           <a:p>
             <a:fld id="{969C4986-7DEB-4068-B691-7A99EC7B716C}" type="datetimeFigureOut">
               <a:rPr lang="en-IN" smtClean="0"/>
-              <a:t>07-10-2025</a:t>
+              <a:t>12-10-2025</a:t>
             </a:fld>
             <a:endParaRPr lang="en-IN"/>
           </a:p>
@@ -1232,7 +1232,7 @@
           <a:p>
             <a:fld id="{969C4986-7DEB-4068-B691-7A99EC7B716C}" type="datetimeFigureOut">
               <a:rPr lang="en-IN" smtClean="0"/>
-              <a:t>07-10-2025</a:t>
+              <a:t>12-10-2025</a:t>
             </a:fld>
             <a:endParaRPr lang="en-IN"/>
           </a:p>
@@ -1432,7 +1432,7 @@
           <a:p>
             <a:fld id="{969C4986-7DEB-4068-B691-7A99EC7B716C}" type="datetimeFigureOut">
               <a:rPr lang="en-IN" smtClean="0"/>
-              <a:t>07-10-2025</a:t>
+              <a:t>12-10-2025</a:t>
             </a:fld>
             <a:endParaRPr lang="en-IN"/>
           </a:p>
@@ -1708,7 +1708,7 @@
           <a:p>
             <a:fld id="{969C4986-7DEB-4068-B691-7A99EC7B716C}" type="datetimeFigureOut">
               <a:rPr lang="en-IN" smtClean="0"/>
-              <a:t>07-10-2025</a:t>
+              <a:t>12-10-2025</a:t>
             </a:fld>
             <a:endParaRPr lang="en-IN"/>
           </a:p>
@@ -1976,7 +1976,7 @@
           <a:p>
             <a:fld id="{969C4986-7DEB-4068-B691-7A99EC7B716C}" type="datetimeFigureOut">
               <a:rPr lang="en-IN" smtClean="0"/>
-              <a:t>07-10-2025</a:t>
+              <a:t>12-10-2025</a:t>
             </a:fld>
             <a:endParaRPr lang="en-IN"/>
           </a:p>
@@ -2391,7 +2391,7 @@
           <a:p>
             <a:fld id="{969C4986-7DEB-4068-B691-7A99EC7B716C}" type="datetimeFigureOut">
               <a:rPr lang="en-IN" smtClean="0"/>
-              <a:t>07-10-2025</a:t>
+              <a:t>12-10-2025</a:t>
             </a:fld>
             <a:endParaRPr lang="en-IN"/>
           </a:p>
@@ -2533,7 +2533,7 @@
           <a:p>
             <a:fld id="{969C4986-7DEB-4068-B691-7A99EC7B716C}" type="datetimeFigureOut">
               <a:rPr lang="en-IN" smtClean="0"/>
-              <a:t>07-10-2025</a:t>
+              <a:t>12-10-2025</a:t>
             </a:fld>
             <a:endParaRPr lang="en-IN"/>
           </a:p>
@@ -2646,7 +2646,7 @@
           <a:p>
             <a:fld id="{969C4986-7DEB-4068-B691-7A99EC7B716C}" type="datetimeFigureOut">
               <a:rPr lang="en-IN" smtClean="0"/>
-              <a:t>07-10-2025</a:t>
+              <a:t>12-10-2025</a:t>
             </a:fld>
             <a:endParaRPr lang="en-IN"/>
           </a:p>
@@ -2959,7 +2959,7 @@
           <a:p>
             <a:fld id="{969C4986-7DEB-4068-B691-7A99EC7B716C}" type="datetimeFigureOut">
               <a:rPr lang="en-IN" smtClean="0"/>
-              <a:t>07-10-2025</a:t>
+              <a:t>12-10-2025</a:t>
             </a:fld>
             <a:endParaRPr lang="en-IN"/>
           </a:p>
@@ -3248,7 +3248,7 @@
           <a:p>
             <a:fld id="{969C4986-7DEB-4068-B691-7A99EC7B716C}" type="datetimeFigureOut">
               <a:rPr lang="en-IN" smtClean="0"/>
-              <a:t>07-10-2025</a:t>
+              <a:t>12-10-2025</a:t>
             </a:fld>
             <a:endParaRPr lang="en-IN"/>
           </a:p>
@@ -3491,7 +3491,7 @@
           <a:p>
             <a:fld id="{969C4986-7DEB-4068-B691-7A99EC7B716C}" type="datetimeFigureOut">
               <a:rPr lang="en-IN" smtClean="0"/>
-              <a:t>07-10-2025</a:t>
+              <a:t>12-10-2025</a:t>
             </a:fld>
             <a:endParaRPr lang="en-IN"/>
           </a:p>
@@ -3938,7 +3938,7 @@
           <a:p>
             <a:pPr algn="ctr"/>
             <a:r>
-              <a:rPr lang="en-IN" sz="3100" b="1" dirty="0"/>
+              <a:rPr lang="en-IN" sz="3100" b="1"/>
               <a:t>HW-Topic-5</a:t>
             </a:r>
             <a:br>
